--- a/CR - Cost Report/Preparation oral/Affiches.pptx
+++ b/CR - Cost Report/Preparation oral/Affiches.pptx
@@ -9,6 +9,7 @@
     <p:sldId id="259" r:id="rId3"/>
     <p:sldId id="257" r:id="rId4"/>
     <p:sldId id="258" r:id="rId5"/>
+    <p:sldId id="260" r:id="rId6"/>
   </p:sldIdLst>
   <p:sldSz cx="21383625" cy="15119350"/>
   <p:notesSz cx="6858000" cy="9144000"/>
@@ -1047,6 +1048,13 @@
     <dgm:pt modelId="{045B4862-3D75-4686-B514-A1CDA3DFD7FE}" type="pres">
       <dgm:prSet presAssocID="{59AE10A8-77DF-4661-8433-3CBD2219DF3D}" presName="sibTrans" presStyleLbl="sibTrans2D1" presStyleIdx="0" presStyleCnt="2"/>
       <dgm:spPr/>
+      <dgm:t>
+        <a:bodyPr/>
+        <a:lstStyle/>
+        <a:p>
+          <a:endParaRPr lang="fr-FR"/>
+        </a:p>
+      </dgm:t>
     </dgm:pt>
     <dgm:pt modelId="{D6032552-AE21-4D11-8BEA-3AFBF2D80D77}" type="pres">
       <dgm:prSet presAssocID="{59AE10A8-77DF-4661-8433-3CBD2219DF3D}" presName="spacerB" presStyleCnt="0"/>
@@ -1070,10 +1078,24 @@
     <dgm:pt modelId="{F97DAD2F-EC0A-4A2A-B6C3-96CE0B4876A4}" type="pres">
       <dgm:prSet presAssocID="{6E089A39-6728-4FD8-A03E-951EB0BDA89B}" presName="sibTransLast" presStyleLbl="sibTrans2D1" presStyleIdx="1" presStyleCnt="2" custAng="10800000"/>
       <dgm:spPr/>
+      <dgm:t>
+        <a:bodyPr/>
+        <a:lstStyle/>
+        <a:p>
+          <a:endParaRPr lang="fr-FR"/>
+        </a:p>
+      </dgm:t>
     </dgm:pt>
     <dgm:pt modelId="{1918DC29-EF47-46BB-B70B-A9E2D40A25D1}" type="pres">
       <dgm:prSet presAssocID="{6E089A39-6728-4FD8-A03E-951EB0BDA89B}" presName="connectorText" presStyleLbl="sibTrans2D1" presStyleIdx="1" presStyleCnt="2"/>
       <dgm:spPr/>
+      <dgm:t>
+        <a:bodyPr/>
+        <a:lstStyle/>
+        <a:p>
+          <a:endParaRPr lang="fr-FR"/>
+        </a:p>
+      </dgm:t>
     </dgm:pt>
     <dgm:pt modelId="{7B9D1B88-4FF0-4B4C-B772-034C5EE3F21F}" type="pres">
       <dgm:prSet presAssocID="{6E089A39-6728-4FD8-A03E-951EB0BDA89B}" presName="lastNode" presStyleLbl="node1" presStyleIdx="2" presStyleCnt="3">
@@ -1092,16 +1114,16 @@
     </dgm:pt>
   </dgm:ptLst>
   <dgm:cxnLst>
-    <dgm:cxn modelId="{108B38C4-DFAA-4F8A-BAAB-D675941BB6B6}" type="presOf" srcId="{D7A49C7A-1765-4D58-AA47-9E3DA2C58A8B}" destId="{AF690720-2FC1-4B11-AF4C-92FD6FF01817}" srcOrd="0" destOrd="0" presId="urn:microsoft.com/office/officeart/2005/8/layout/equation2"/>
-    <dgm:cxn modelId="{F30A175A-19DA-4B94-B8BD-32EC00A4B170}" type="presOf" srcId="{17208AAC-31D5-4A49-9BD6-2DCB509D04E4}" destId="{7B9D1B88-4FF0-4B4C-B772-034C5EE3F21F}" srcOrd="0" destOrd="0" presId="urn:microsoft.com/office/officeart/2005/8/layout/equation2"/>
+    <dgm:cxn modelId="{EEB8EEBC-4BE3-43E5-A559-15342E20143E}" type="presOf" srcId="{6E089A39-6728-4FD8-A03E-951EB0BDA89B}" destId="{54E83B49-793A-4EAE-B1CB-2A2438C95924}" srcOrd="0" destOrd="0" presId="urn:microsoft.com/office/officeart/2005/8/layout/equation2"/>
     <dgm:cxn modelId="{FCB48B43-5F46-4805-8799-9DCBF79C33F9}" srcId="{6E089A39-6728-4FD8-A03E-951EB0BDA89B}" destId="{24E15492-7E78-4E97-A4FF-37ECD338B083}" srcOrd="1" destOrd="0" parTransId="{63DF1606-EDB4-44E0-843F-04F7EA4A37AA}" sibTransId="{0DFB25B1-C690-4F1E-984F-76DBFDC390C5}"/>
     <dgm:cxn modelId="{991AA828-7457-451D-A7AE-4A5DBD9C79A3}" type="presOf" srcId="{24E15492-7E78-4E97-A4FF-37ECD338B083}" destId="{3BA79365-D5D0-44A8-B4E1-5652A7D1D8C7}" srcOrd="0" destOrd="0" presId="urn:microsoft.com/office/officeart/2005/8/layout/equation2"/>
+    <dgm:cxn modelId="{F30A175A-19DA-4B94-B8BD-32EC00A4B170}" type="presOf" srcId="{17208AAC-31D5-4A49-9BD6-2DCB509D04E4}" destId="{7B9D1B88-4FF0-4B4C-B772-034C5EE3F21F}" srcOrd="0" destOrd="0" presId="urn:microsoft.com/office/officeart/2005/8/layout/equation2"/>
+    <dgm:cxn modelId="{F8464BAE-6F72-44C8-9984-DA057D800B17}" type="presOf" srcId="{0DFB25B1-C690-4F1E-984F-76DBFDC390C5}" destId="{1918DC29-EF47-46BB-B70B-A9E2D40A25D1}" srcOrd="1" destOrd="0" presId="urn:microsoft.com/office/officeart/2005/8/layout/equation2"/>
     <dgm:cxn modelId="{6D96C96A-6BF7-4CFB-B681-884AE96AA0D7}" srcId="{6E089A39-6728-4FD8-A03E-951EB0BDA89B}" destId="{17208AAC-31D5-4A49-9BD6-2DCB509D04E4}" srcOrd="2" destOrd="0" parTransId="{006E969F-A2EF-4D89-BAFD-91B2219A1152}" sibTransId="{2CD5EF48-07ED-47CA-9FE4-84EE482DE1DF}"/>
+    <dgm:cxn modelId="{232800CB-B8DE-4CF2-9DFF-C3B380CFD048}" srcId="{6E089A39-6728-4FD8-A03E-951EB0BDA89B}" destId="{D7A49C7A-1765-4D58-AA47-9E3DA2C58A8B}" srcOrd="0" destOrd="0" parTransId="{AD26834B-86AC-4719-B799-AD020A057D55}" sibTransId="{59AE10A8-77DF-4661-8433-3CBD2219DF3D}"/>
     <dgm:cxn modelId="{B64AB0FC-9EDE-4FB3-9C46-764CC567359B}" type="presOf" srcId="{0DFB25B1-C690-4F1E-984F-76DBFDC390C5}" destId="{F97DAD2F-EC0A-4A2A-B6C3-96CE0B4876A4}" srcOrd="0" destOrd="0" presId="urn:microsoft.com/office/officeart/2005/8/layout/equation2"/>
-    <dgm:cxn modelId="{232800CB-B8DE-4CF2-9DFF-C3B380CFD048}" srcId="{6E089A39-6728-4FD8-A03E-951EB0BDA89B}" destId="{D7A49C7A-1765-4D58-AA47-9E3DA2C58A8B}" srcOrd="0" destOrd="0" parTransId="{AD26834B-86AC-4719-B799-AD020A057D55}" sibTransId="{59AE10A8-77DF-4661-8433-3CBD2219DF3D}"/>
-    <dgm:cxn modelId="{EEB8EEBC-4BE3-43E5-A559-15342E20143E}" type="presOf" srcId="{6E089A39-6728-4FD8-A03E-951EB0BDA89B}" destId="{54E83B49-793A-4EAE-B1CB-2A2438C95924}" srcOrd="0" destOrd="0" presId="urn:microsoft.com/office/officeart/2005/8/layout/equation2"/>
     <dgm:cxn modelId="{5BEAD9FB-1F3F-4B50-91D7-1C5969184D1E}" type="presOf" srcId="{59AE10A8-77DF-4661-8433-3CBD2219DF3D}" destId="{045B4862-3D75-4686-B514-A1CDA3DFD7FE}" srcOrd="0" destOrd="0" presId="urn:microsoft.com/office/officeart/2005/8/layout/equation2"/>
-    <dgm:cxn modelId="{F8464BAE-6F72-44C8-9984-DA057D800B17}" type="presOf" srcId="{0DFB25B1-C690-4F1E-984F-76DBFDC390C5}" destId="{1918DC29-EF47-46BB-B70B-A9E2D40A25D1}" srcOrd="1" destOrd="0" presId="urn:microsoft.com/office/officeart/2005/8/layout/equation2"/>
+    <dgm:cxn modelId="{108B38C4-DFAA-4F8A-BAAB-D675941BB6B6}" type="presOf" srcId="{D7A49C7A-1765-4D58-AA47-9E3DA2C58A8B}" destId="{AF690720-2FC1-4B11-AF4C-92FD6FF01817}" srcOrd="0" destOrd="0" presId="urn:microsoft.com/office/officeart/2005/8/layout/equation2"/>
     <dgm:cxn modelId="{6A9F2A40-2730-4E4D-A10A-46549FD8D36E}" type="presParOf" srcId="{54E83B49-793A-4EAE-B1CB-2A2438C95924}" destId="{4777B5E0-6BE8-47A9-A417-C677121CC51B}" srcOrd="0" destOrd="0" presId="urn:microsoft.com/office/officeart/2005/8/layout/equation2"/>
     <dgm:cxn modelId="{133DBFAF-58F0-49F7-8B35-8F1DB7B6B9D4}" type="presParOf" srcId="{4777B5E0-6BE8-47A9-A417-C677121CC51B}" destId="{AF690720-2FC1-4B11-AF4C-92FD6FF01817}" srcOrd="0" destOrd="0" presId="urn:microsoft.com/office/officeart/2005/8/layout/equation2"/>
     <dgm:cxn modelId="{8B8A388B-2242-4C9D-8555-017067442388}" type="presParOf" srcId="{4777B5E0-6BE8-47A9-A417-C677121CC51B}" destId="{A29EE7EC-DC54-45BC-BDB9-747F9F9050B7}" srcOrd="1" destOrd="0" presId="urn:microsoft.com/office/officeart/2005/8/layout/equation2"/>
@@ -2976,7 +2998,7 @@
           <a:p>
             <a:fld id="{F9FC3D4C-B2E6-4844-A5CF-E99552CE207E}" type="datetimeFigureOut">
               <a:rPr lang="fr-FR" smtClean="0"/>
-              <a:t>03/07/2019</a:t>
+              <a:t>04/07/2019</a:t>
             </a:fld>
             <a:endParaRPr lang="fr-FR"/>
           </a:p>
@@ -3146,7 +3168,7 @@
           <a:p>
             <a:fld id="{F9FC3D4C-B2E6-4844-A5CF-E99552CE207E}" type="datetimeFigureOut">
               <a:rPr lang="fr-FR" smtClean="0"/>
-              <a:t>03/07/2019</a:t>
+              <a:t>04/07/2019</a:t>
             </a:fld>
             <a:endParaRPr lang="fr-FR"/>
           </a:p>
@@ -3326,7 +3348,7 @@
           <a:p>
             <a:fld id="{F9FC3D4C-B2E6-4844-A5CF-E99552CE207E}" type="datetimeFigureOut">
               <a:rPr lang="fr-FR" smtClean="0"/>
-              <a:t>03/07/2019</a:t>
+              <a:t>04/07/2019</a:t>
             </a:fld>
             <a:endParaRPr lang="fr-FR"/>
           </a:p>
@@ -3496,7 +3518,7 @@
           <a:p>
             <a:fld id="{F9FC3D4C-B2E6-4844-A5CF-E99552CE207E}" type="datetimeFigureOut">
               <a:rPr lang="fr-FR" smtClean="0"/>
-              <a:t>03/07/2019</a:t>
+              <a:t>04/07/2019</a:t>
             </a:fld>
             <a:endParaRPr lang="fr-FR"/>
           </a:p>
@@ -3740,7 +3762,7 @@
           <a:p>
             <a:fld id="{F9FC3D4C-B2E6-4844-A5CF-E99552CE207E}" type="datetimeFigureOut">
               <a:rPr lang="fr-FR" smtClean="0"/>
-              <a:t>03/07/2019</a:t>
+              <a:t>04/07/2019</a:t>
             </a:fld>
             <a:endParaRPr lang="fr-FR"/>
           </a:p>
@@ -3972,7 +3994,7 @@
           <a:p>
             <a:fld id="{F9FC3D4C-B2E6-4844-A5CF-E99552CE207E}" type="datetimeFigureOut">
               <a:rPr lang="fr-FR" smtClean="0"/>
-              <a:t>03/07/2019</a:t>
+              <a:t>04/07/2019</a:t>
             </a:fld>
             <a:endParaRPr lang="fr-FR"/>
           </a:p>
@@ -4339,7 +4361,7 @@
           <a:p>
             <a:fld id="{F9FC3D4C-B2E6-4844-A5CF-E99552CE207E}" type="datetimeFigureOut">
               <a:rPr lang="fr-FR" smtClean="0"/>
-              <a:t>03/07/2019</a:t>
+              <a:t>04/07/2019</a:t>
             </a:fld>
             <a:endParaRPr lang="fr-FR"/>
           </a:p>
@@ -4457,7 +4479,7 @@
           <a:p>
             <a:fld id="{F9FC3D4C-B2E6-4844-A5CF-E99552CE207E}" type="datetimeFigureOut">
               <a:rPr lang="fr-FR" smtClean="0"/>
-              <a:t>03/07/2019</a:t>
+              <a:t>04/07/2019</a:t>
             </a:fld>
             <a:endParaRPr lang="fr-FR"/>
           </a:p>
@@ -4552,7 +4574,7 @@
           <a:p>
             <a:fld id="{F9FC3D4C-B2E6-4844-A5CF-E99552CE207E}" type="datetimeFigureOut">
               <a:rPr lang="fr-FR" smtClean="0"/>
-              <a:t>03/07/2019</a:t>
+              <a:t>04/07/2019</a:t>
             </a:fld>
             <a:endParaRPr lang="fr-FR"/>
           </a:p>
@@ -4829,7 +4851,7 @@
           <a:p>
             <a:fld id="{F9FC3D4C-B2E6-4844-A5CF-E99552CE207E}" type="datetimeFigureOut">
               <a:rPr lang="fr-FR" smtClean="0"/>
-              <a:t>03/07/2019</a:t>
+              <a:t>04/07/2019</a:t>
             </a:fld>
             <a:endParaRPr lang="fr-FR"/>
           </a:p>
@@ -5086,7 +5108,7 @@
           <a:p>
             <a:fld id="{F9FC3D4C-B2E6-4844-A5CF-E99552CE207E}" type="datetimeFigureOut">
               <a:rPr lang="fr-FR" smtClean="0"/>
-              <a:t>03/07/2019</a:t>
+              <a:t>04/07/2019</a:t>
             </a:fld>
             <a:endParaRPr lang="fr-FR"/>
           </a:p>
@@ -5299,7 +5321,7 @@
           <a:p>
             <a:fld id="{F9FC3D4C-B2E6-4844-A5CF-E99552CE207E}" type="datetimeFigureOut">
               <a:rPr lang="fr-FR" smtClean="0"/>
-              <a:t>03/07/2019</a:t>
+              <a:t>04/07/2019</a:t>
             </a:fld>
             <a:endParaRPr lang="fr-FR"/>
           </a:p>
@@ -9151,8 +9173,8 @@
         </p:nvSpPr>
         <p:spPr>
           <a:xfrm>
-            <a:off x="818414" y="6000899"/>
-            <a:ext cx="3712392" cy="5632311"/>
+            <a:off x="952500" y="6000899"/>
+            <a:ext cx="3578306" cy="5078313"/>
           </a:xfrm>
           <a:prstGeom prst="rect">
             <a:avLst/>
@@ -9187,7 +9209,11 @@
             </a:pPr>
             <a:r>
               <a:rPr lang="en-GB" dirty="0" smtClean="0"/>
-              <a:t>4 operator full-time and 1 operator part-time</a:t>
+              <a:t>4 operator full-time and 1 operator </a:t>
+            </a:r>
+            <a:r>
+              <a:rPr lang="en-GB" dirty="0" smtClean="0"/>
+              <a:t>part-time</a:t>
             </a:r>
           </a:p>
           <a:p>
@@ -9197,8 +9223,9 @@
             </a:pPr>
             <a:r>
               <a:rPr lang="en-GB" dirty="0" smtClean="0"/>
-              <a:t>Assemblies (except welding)</a:t>
-            </a:r>
+              <a:t>Machine supervision</a:t>
+            </a:r>
+            <a:endParaRPr lang="en-GB" dirty="0" smtClean="0"/>
           </a:p>
           <a:p>
             <a:pPr marL="742950" lvl="1" indent="-285750" algn="just">
@@ -9207,7 +9234,7 @@
             </a:pPr>
             <a:r>
               <a:rPr lang="en-GB" dirty="0" smtClean="0"/>
-              <a:t>Maintenance</a:t>
+              <a:t>Assemblies (except welding)</a:t>
             </a:r>
           </a:p>
           <a:p>
@@ -9217,7 +9244,21 @@
             </a:pPr>
             <a:r>
               <a:rPr lang="en-GB" dirty="0" smtClean="0"/>
-              <a:t>Simple machining (CAO and metrology)</a:t>
+              <a:t>Maintenance</a:t>
+            </a:r>
+          </a:p>
+          <a:p>
+            <a:pPr marL="742950" lvl="1" indent="-285750" algn="just">
+              <a:buFontTx/>
+              <a:buChar char="-"/>
+            </a:pPr>
+            <a:r>
+              <a:rPr lang="en-GB" dirty="0" smtClean="0"/>
+              <a:t>Simple </a:t>
+            </a:r>
+            <a:r>
+              <a:rPr lang="en-GB" dirty="0" smtClean="0"/>
+              <a:t>CAM/metrology</a:t>
             </a:r>
           </a:p>
           <a:p>
@@ -9227,7 +9268,11 @@
             </a:pPr>
             <a:r>
               <a:rPr lang="en-GB" dirty="0" smtClean="0"/>
-              <a:t>1 technician</a:t>
+              <a:t>1 </a:t>
+            </a:r>
+            <a:r>
+              <a:rPr lang="en-GB" dirty="0" smtClean="0"/>
+              <a:t>technician</a:t>
             </a:r>
           </a:p>
           <a:p>
@@ -9237,7 +9282,11 @@
             </a:pPr>
             <a:r>
               <a:rPr lang="en-GB" dirty="0" smtClean="0"/>
-              <a:t>Complex machining (CAO and metrology)</a:t>
+              <a:t>Complex </a:t>
+            </a:r>
+            <a:r>
+              <a:rPr lang="en-GB" dirty="0"/>
+              <a:t>CAM/metrology</a:t>
             </a:r>
           </a:p>
           <a:p>
@@ -9249,6 +9298,7 @@
               <a:rPr lang="en-GB" dirty="0" smtClean="0"/>
               <a:t>1 welder</a:t>
             </a:r>
+            <a:endParaRPr lang="en-GB" dirty="0" smtClean="0"/>
           </a:p>
           <a:p>
             <a:pPr marL="285750" indent="-285750" algn="just">
@@ -9287,13 +9337,12 @@
             </a:pPr>
             <a:r>
               <a:rPr lang="en-GB" dirty="0" smtClean="0"/>
-              <a:t>Complex machining </a:t>
+              <a:t>Complex </a:t>
             </a:r>
             <a:r>
               <a:rPr lang="en-GB" dirty="0"/>
-              <a:t>(CAO and metrology)</a:t>
-            </a:r>
-            <a:endParaRPr lang="en-GB" dirty="0" smtClean="0"/>
+              <a:t>CAM/metrology</a:t>
+            </a:r>
           </a:p>
           <a:p>
             <a:pPr marL="285750" indent="-285750" algn="just">
@@ -9302,7 +9351,11 @@
             </a:pPr>
             <a:r>
               <a:rPr lang="en-GB" dirty="0" smtClean="0"/>
-              <a:t>1 administrative</a:t>
+              <a:t>1 </a:t>
+            </a:r>
+            <a:r>
+              <a:rPr lang="en-GB" dirty="0" smtClean="0"/>
+              <a:t>administrative</a:t>
             </a:r>
           </a:p>
           <a:p>
@@ -9312,8 +9365,13 @@
             </a:pPr>
             <a:r>
               <a:rPr lang="en-GB" dirty="0" smtClean="0"/>
-              <a:t>Sales, supplies, …</a:t>
-            </a:r>
+              <a:t>Sales, supplies, </a:t>
+            </a:r>
+            <a:r>
+              <a:rPr lang="en-GB" dirty="0" smtClean="0"/>
+              <a:t>invoices,…</a:t>
+            </a:r>
+            <a:endParaRPr lang="en-GB" dirty="0" smtClean="0"/>
           </a:p>
           <a:p>
             <a:pPr marL="742950" lvl="1" indent="-285750" algn="just">
@@ -9906,6 +9964,272 @@
           <a:chExt cx="0" cy="0"/>
         </a:xfrm>
       </p:grpSpPr>
+      <p:sp>
+        <p:nvSpPr>
+          <p:cNvPr id="2" name="Rectangle à coins arrondis 1"/>
+          <p:cNvSpPr/>
+          <p:nvPr/>
+        </p:nvSpPr>
+        <p:spPr>
+          <a:xfrm>
+            <a:off x="2095500" y="381000"/>
+            <a:ext cx="5772150" cy="2876550"/>
+          </a:xfrm>
+          <a:prstGeom prst="roundRect">
+            <a:avLst/>
+          </a:prstGeom>
+        </p:spPr>
+        <p:style>
+          <a:lnRef idx="2">
+            <a:schemeClr val="accent1"/>
+          </a:lnRef>
+          <a:fillRef idx="1">
+            <a:schemeClr val="lt1"/>
+          </a:fillRef>
+          <a:effectRef idx="0">
+            <a:schemeClr val="accent1"/>
+          </a:effectRef>
+          <a:fontRef idx="minor">
+            <a:schemeClr val="dk1"/>
+          </a:fontRef>
+        </p:style>
+        <p:txBody>
+          <a:bodyPr rtlCol="0" anchor="ctr"/>
+          <a:lstStyle/>
+          <a:p>
+            <a:pPr algn="ctr"/>
+            <a:endParaRPr lang="fr-FR"/>
+          </a:p>
+        </p:txBody>
+      </p:sp>
+      <p:grpSp>
+        <p:nvGrpSpPr>
+          <p:cNvPr id="5" name="Groupe 4"/>
+          <p:cNvGrpSpPr/>
+          <p:nvPr/>
+        </p:nvGrpSpPr>
+        <p:grpSpPr>
+          <a:xfrm>
+            <a:off x="2808439" y="12003087"/>
+            <a:ext cx="2830362" cy="2830362"/>
+            <a:chOff x="10954144" y="6040"/>
+            <a:chExt cx="3917649" cy="3917649"/>
+          </a:xfrm>
+        </p:grpSpPr>
+        <p:sp>
+          <p:nvSpPr>
+            <p:cNvPr id="6" name="Ellipse 5"/>
+            <p:cNvSpPr/>
+            <p:nvPr/>
+          </p:nvSpPr>
+          <p:spPr>
+            <a:xfrm>
+              <a:off x="10954144" y="6040"/>
+              <a:ext cx="3917649" cy="3917649"/>
+            </a:xfrm>
+            <a:prstGeom prst="ellipse">
+              <a:avLst/>
+            </a:prstGeom>
+          </p:spPr>
+          <p:style>
+            <a:lnRef idx="2">
+              <a:schemeClr val="lt1">
+                <a:hueOff val="0"/>
+                <a:satOff val="0"/>
+                <a:lumOff val="0"/>
+                <a:alphaOff val="0"/>
+              </a:schemeClr>
+            </a:lnRef>
+            <a:fillRef idx="1">
+              <a:schemeClr val="accent1">
+                <a:hueOff val="0"/>
+                <a:satOff val="0"/>
+                <a:lumOff val="0"/>
+                <a:alphaOff val="0"/>
+              </a:schemeClr>
+            </a:fillRef>
+            <a:effectRef idx="0">
+              <a:schemeClr val="accent1">
+                <a:hueOff val="0"/>
+                <a:satOff val="0"/>
+                <a:lumOff val="0"/>
+                <a:alphaOff val="0"/>
+              </a:schemeClr>
+            </a:effectRef>
+            <a:fontRef idx="minor">
+              <a:schemeClr val="lt1"/>
+            </a:fontRef>
+          </p:style>
+        </p:sp>
+        <p:sp>
+          <p:nvSpPr>
+            <p:cNvPr id="7" name="Ellipse 4"/>
+            <p:cNvSpPr txBox="1"/>
+            <p:nvPr/>
+          </p:nvSpPr>
+          <p:spPr>
+            <a:xfrm>
+              <a:off x="11527870" y="579766"/>
+              <a:ext cx="2770197" cy="2770197"/>
+            </a:xfrm>
+            <a:prstGeom prst="rect">
+              <a:avLst/>
+            </a:prstGeom>
+          </p:spPr>
+          <p:style>
+            <a:lnRef idx="0">
+              <a:scrgbClr r="0" g="0" b="0"/>
+            </a:lnRef>
+            <a:fillRef idx="0">
+              <a:scrgbClr r="0" g="0" b="0"/>
+            </a:fillRef>
+            <a:effectRef idx="0">
+              <a:scrgbClr r="0" g="0" b="0"/>
+            </a:effectRef>
+            <a:fontRef idx="minor">
+              <a:schemeClr val="lt1"/>
+            </a:fontRef>
+          </p:style>
+          <p:txBody>
+            <a:bodyPr spcFirstLastPara="0" vert="horz" wrap="square" lIns="60960" tIns="60960" rIns="60960" bIns="60960" numCol="1" spcCol="1270" anchor="ctr" anchorCtr="0">
+              <a:noAutofit/>
+            </a:bodyPr>
+            <a:lstStyle/>
+            <a:p>
+              <a:pPr lvl="0" algn="ctr" defTabSz="2133600">
+                <a:lnSpc>
+                  <a:spcPct val="90000"/>
+                </a:lnSpc>
+                <a:spcBef>
+                  <a:spcPct val="0"/>
+                </a:spcBef>
+                <a:spcAft>
+                  <a:spcPct val="35000"/>
+                </a:spcAft>
+              </a:pPr>
+              <a:r>
+                <a:rPr lang="fr-FR" sz="4800" kern="1200" dirty="0" err="1" smtClean="0"/>
+                <a:t>Buy</a:t>
+              </a:r>
+              <a:endParaRPr lang="fr-FR" sz="4800" kern="1200" dirty="0"/>
+            </a:p>
+          </p:txBody>
+        </p:sp>
+      </p:grpSp>
+      <p:grpSp>
+        <p:nvGrpSpPr>
+          <p:cNvPr id="8" name="Groupe 7"/>
+          <p:cNvGrpSpPr/>
+          <p:nvPr/>
+        </p:nvGrpSpPr>
+        <p:grpSpPr>
+          <a:xfrm>
+            <a:off x="15571939" y="12003087"/>
+            <a:ext cx="2830362" cy="2830362"/>
+            <a:chOff x="10954144" y="6040"/>
+            <a:chExt cx="3917649" cy="3917649"/>
+          </a:xfrm>
+        </p:grpSpPr>
+        <p:sp>
+          <p:nvSpPr>
+            <p:cNvPr id="9" name="Ellipse 8"/>
+            <p:cNvSpPr/>
+            <p:nvPr/>
+          </p:nvSpPr>
+          <p:spPr>
+            <a:xfrm>
+              <a:off x="10954144" y="6040"/>
+              <a:ext cx="3917649" cy="3917649"/>
+            </a:xfrm>
+            <a:prstGeom prst="ellipse">
+              <a:avLst/>
+            </a:prstGeom>
+          </p:spPr>
+          <p:style>
+            <a:lnRef idx="2">
+              <a:schemeClr val="lt1">
+                <a:hueOff val="0"/>
+                <a:satOff val="0"/>
+                <a:lumOff val="0"/>
+                <a:alphaOff val="0"/>
+              </a:schemeClr>
+            </a:lnRef>
+            <a:fillRef idx="1">
+              <a:schemeClr val="accent1">
+                <a:hueOff val="0"/>
+                <a:satOff val="0"/>
+                <a:lumOff val="0"/>
+                <a:alphaOff val="0"/>
+              </a:schemeClr>
+            </a:fillRef>
+            <a:effectRef idx="0">
+              <a:schemeClr val="accent1">
+                <a:hueOff val="0"/>
+                <a:satOff val="0"/>
+                <a:lumOff val="0"/>
+                <a:alphaOff val="0"/>
+              </a:schemeClr>
+            </a:effectRef>
+            <a:fontRef idx="minor">
+              <a:schemeClr val="lt1"/>
+            </a:fontRef>
+          </p:style>
+        </p:sp>
+        <p:sp>
+          <p:nvSpPr>
+            <p:cNvPr id="10" name="Ellipse 4"/>
+            <p:cNvSpPr txBox="1"/>
+            <p:nvPr/>
+          </p:nvSpPr>
+          <p:spPr>
+            <a:xfrm>
+              <a:off x="11527870" y="579766"/>
+              <a:ext cx="2770197" cy="2770197"/>
+            </a:xfrm>
+            <a:prstGeom prst="rect">
+              <a:avLst/>
+            </a:prstGeom>
+          </p:spPr>
+          <p:style>
+            <a:lnRef idx="0">
+              <a:scrgbClr r="0" g="0" b="0"/>
+            </a:lnRef>
+            <a:fillRef idx="0">
+              <a:scrgbClr r="0" g="0" b="0"/>
+            </a:fillRef>
+            <a:effectRef idx="0">
+              <a:scrgbClr r="0" g="0" b="0"/>
+            </a:effectRef>
+            <a:fontRef idx="minor">
+              <a:schemeClr val="lt1"/>
+            </a:fontRef>
+          </p:style>
+          <p:txBody>
+            <a:bodyPr spcFirstLastPara="0" vert="horz" wrap="square" lIns="60960" tIns="60960" rIns="60960" bIns="60960" numCol="1" spcCol="1270" anchor="ctr" anchorCtr="0">
+              <a:noAutofit/>
+            </a:bodyPr>
+            <a:lstStyle/>
+            <a:p>
+              <a:pPr lvl="0" algn="ctr" defTabSz="2133600">
+                <a:lnSpc>
+                  <a:spcPct val="90000"/>
+                </a:lnSpc>
+                <a:spcBef>
+                  <a:spcPct val="0"/>
+                </a:spcBef>
+                <a:spcAft>
+                  <a:spcPct val="35000"/>
+                </a:spcAft>
+              </a:pPr>
+              <a:r>
+                <a:rPr lang="fr-FR" sz="4800" kern="1200" dirty="0" smtClean="0"/>
+                <a:t>Made</a:t>
+              </a:r>
+              <a:endParaRPr lang="fr-FR" sz="4800" kern="1200" dirty="0"/>
+            </a:p>
+          </p:txBody>
+        </p:sp>
+      </p:grpSp>
     </p:spTree>
     <p:extLst>
       <p:ext uri="{BB962C8B-B14F-4D97-AF65-F5344CB8AC3E}">
@@ -9923,6 +10247,74 @@
       </p:par>
     </p:tnLst>
   </p:timing>
+</p:sld>
+</file>
+
+<file path=ppt/slides/slide5.xml><?xml version="1.0" encoding="utf-8"?>
+<p:sld xmlns:a="http://schemas.openxmlformats.org/drawingml/2006/main" xmlns:r="http://schemas.openxmlformats.org/officeDocument/2006/relationships" xmlns:p="http://schemas.openxmlformats.org/presentationml/2006/main">
+  <p:cSld>
+    <p:spTree>
+      <p:nvGrpSpPr>
+        <p:cNvPr id="1" name=""/>
+        <p:cNvGrpSpPr/>
+        <p:nvPr/>
+      </p:nvGrpSpPr>
+      <p:grpSpPr>
+        <a:xfrm>
+          <a:off x="0" y="0"/>
+          <a:ext cx="0" cy="0"/>
+          <a:chOff x="0" y="0"/>
+          <a:chExt cx="0" cy="0"/>
+        </a:xfrm>
+      </p:grpSpPr>
+      <p:sp>
+        <p:nvSpPr>
+          <p:cNvPr id="2" name="Titre 1"/>
+          <p:cNvSpPr>
+            <a:spLocks noGrp="1"/>
+          </p:cNvSpPr>
+          <p:nvPr>
+            <p:ph type="title"/>
+          </p:nvPr>
+        </p:nvSpPr>
+        <p:spPr/>
+        <p:txBody>
+          <a:bodyPr/>
+          <a:lstStyle/>
+          <a:p>
+            <a:endParaRPr lang="fr-FR"/>
+          </a:p>
+        </p:txBody>
+      </p:sp>
+      <p:sp>
+        <p:nvSpPr>
+          <p:cNvPr id="3" name="Espace réservé du contenu 2"/>
+          <p:cNvSpPr>
+            <a:spLocks noGrp="1"/>
+          </p:cNvSpPr>
+          <p:nvPr>
+            <p:ph idx="1"/>
+          </p:nvPr>
+        </p:nvSpPr>
+        <p:spPr/>
+        <p:txBody>
+          <a:bodyPr/>
+          <a:lstStyle/>
+          <a:p>
+            <a:endParaRPr lang="fr-FR"/>
+          </a:p>
+        </p:txBody>
+      </p:sp>
+    </p:spTree>
+    <p:extLst>
+      <p:ext uri="{BB962C8B-B14F-4D97-AF65-F5344CB8AC3E}">
+        <p14:creationId xmlns:p14="http://schemas.microsoft.com/office/powerpoint/2010/main" val="1531307809"/>
+      </p:ext>
+    </p:extLst>
+  </p:cSld>
+  <p:clrMapOvr>
+    <a:masterClrMapping/>
+  </p:clrMapOvr>
 </p:sld>
 </file>
 

--- a/CR - Cost Report/Preparation oral/Affiches.pptx
+++ b/CR - Cost Report/Preparation oral/Affiches.pptx
@@ -890,7 +890,19 @@
           </a:r>
           <a:r>
             <a:rPr lang="fr-FR" sz="4800" dirty="0" smtClean="0"/>
-            <a:t> in Sept.</a:t>
+            <a:t> in Sept</a:t>
+          </a:r>
+          <a:r>
+            <a:rPr lang="fr-FR" sz="4800" dirty="0" smtClean="0"/>
+            <a:t>. till </a:t>
+          </a:r>
+          <a:r>
+            <a:rPr lang="fr-FR" sz="4800" dirty="0" err="1" smtClean="0"/>
+            <a:t>Dec</a:t>
+          </a:r>
+          <a:r>
+            <a:rPr lang="fr-FR" sz="4800" dirty="0" smtClean="0"/>
+            <a:t>.</a:t>
           </a:r>
           <a:endParaRPr lang="fr-FR" sz="4800" dirty="0"/>
         </a:p>
@@ -1231,7 +1243,19 @@
           </a:r>
           <a:r>
             <a:rPr lang="fr-FR" sz="4800" kern="1200" dirty="0" smtClean="0"/>
-            <a:t> in Sept.</a:t>
+            <a:t> in Sept</a:t>
+          </a:r>
+          <a:r>
+            <a:rPr lang="fr-FR" sz="4800" kern="1200" dirty="0" smtClean="0"/>
+            <a:t>. till </a:t>
+          </a:r>
+          <a:r>
+            <a:rPr lang="fr-FR" sz="4800" kern="1200" dirty="0" err="1" smtClean="0"/>
+            <a:t>Dec</a:t>
+          </a:r>
+          <a:r>
+            <a:rPr lang="fr-FR" sz="4800" kern="1200" dirty="0" smtClean="0"/>
+            <a:t>.</a:t>
           </a:r>
           <a:endParaRPr lang="fr-FR" sz="4800" kern="1200" dirty="0"/>
         </a:p>
@@ -2998,7 +3022,7 @@
           <a:p>
             <a:fld id="{F9FC3D4C-B2E6-4844-A5CF-E99552CE207E}" type="datetimeFigureOut">
               <a:rPr lang="fr-FR" smtClean="0"/>
-              <a:t>04/07/2019</a:t>
+              <a:t>05/07/2019</a:t>
             </a:fld>
             <a:endParaRPr lang="fr-FR"/>
           </a:p>
@@ -3168,7 +3192,7 @@
           <a:p>
             <a:fld id="{F9FC3D4C-B2E6-4844-A5CF-E99552CE207E}" type="datetimeFigureOut">
               <a:rPr lang="fr-FR" smtClean="0"/>
-              <a:t>04/07/2019</a:t>
+              <a:t>05/07/2019</a:t>
             </a:fld>
             <a:endParaRPr lang="fr-FR"/>
           </a:p>
@@ -3348,7 +3372,7 @@
           <a:p>
             <a:fld id="{F9FC3D4C-B2E6-4844-A5CF-E99552CE207E}" type="datetimeFigureOut">
               <a:rPr lang="fr-FR" smtClean="0"/>
-              <a:t>04/07/2019</a:t>
+              <a:t>05/07/2019</a:t>
             </a:fld>
             <a:endParaRPr lang="fr-FR"/>
           </a:p>
@@ -3518,7 +3542,7 @@
           <a:p>
             <a:fld id="{F9FC3D4C-B2E6-4844-A5CF-E99552CE207E}" type="datetimeFigureOut">
               <a:rPr lang="fr-FR" smtClean="0"/>
-              <a:t>04/07/2019</a:t>
+              <a:t>05/07/2019</a:t>
             </a:fld>
             <a:endParaRPr lang="fr-FR"/>
           </a:p>
@@ -3762,7 +3786,7 @@
           <a:p>
             <a:fld id="{F9FC3D4C-B2E6-4844-A5CF-E99552CE207E}" type="datetimeFigureOut">
               <a:rPr lang="fr-FR" smtClean="0"/>
-              <a:t>04/07/2019</a:t>
+              <a:t>05/07/2019</a:t>
             </a:fld>
             <a:endParaRPr lang="fr-FR"/>
           </a:p>
@@ -3994,7 +4018,7 @@
           <a:p>
             <a:fld id="{F9FC3D4C-B2E6-4844-A5CF-E99552CE207E}" type="datetimeFigureOut">
               <a:rPr lang="fr-FR" smtClean="0"/>
-              <a:t>04/07/2019</a:t>
+              <a:t>05/07/2019</a:t>
             </a:fld>
             <a:endParaRPr lang="fr-FR"/>
           </a:p>
@@ -4361,7 +4385,7 @@
           <a:p>
             <a:fld id="{F9FC3D4C-B2E6-4844-A5CF-E99552CE207E}" type="datetimeFigureOut">
               <a:rPr lang="fr-FR" smtClean="0"/>
-              <a:t>04/07/2019</a:t>
+              <a:t>05/07/2019</a:t>
             </a:fld>
             <a:endParaRPr lang="fr-FR"/>
           </a:p>
@@ -4479,7 +4503,7 @@
           <a:p>
             <a:fld id="{F9FC3D4C-B2E6-4844-A5CF-E99552CE207E}" type="datetimeFigureOut">
               <a:rPr lang="fr-FR" smtClean="0"/>
-              <a:t>04/07/2019</a:t>
+              <a:t>05/07/2019</a:t>
             </a:fld>
             <a:endParaRPr lang="fr-FR"/>
           </a:p>
@@ -4574,7 +4598,7 @@
           <a:p>
             <a:fld id="{F9FC3D4C-B2E6-4844-A5CF-E99552CE207E}" type="datetimeFigureOut">
               <a:rPr lang="fr-FR" smtClean="0"/>
-              <a:t>04/07/2019</a:t>
+              <a:t>05/07/2019</a:t>
             </a:fld>
             <a:endParaRPr lang="fr-FR"/>
           </a:p>
@@ -4851,7 +4875,7 @@
           <a:p>
             <a:fld id="{F9FC3D4C-B2E6-4844-A5CF-E99552CE207E}" type="datetimeFigureOut">
               <a:rPr lang="fr-FR" smtClean="0"/>
-              <a:t>04/07/2019</a:t>
+              <a:t>05/07/2019</a:t>
             </a:fld>
             <a:endParaRPr lang="fr-FR"/>
           </a:p>
@@ -5108,7 +5132,7 @@
           <a:p>
             <a:fld id="{F9FC3D4C-B2E6-4844-A5CF-E99552CE207E}" type="datetimeFigureOut">
               <a:rPr lang="fr-FR" smtClean="0"/>
-              <a:t>04/07/2019</a:t>
+              <a:t>05/07/2019</a:t>
             </a:fld>
             <a:endParaRPr lang="fr-FR"/>
           </a:p>
@@ -5321,7 +5345,7 @@
           <a:p>
             <a:fld id="{F9FC3D4C-B2E6-4844-A5CF-E99552CE207E}" type="datetimeFigureOut">
               <a:rPr lang="fr-FR" smtClean="0"/>
-              <a:t>04/07/2019</a:t>
+              <a:t>05/07/2019</a:t>
             </a:fld>
             <a:endParaRPr lang="fr-FR"/>
           </a:p>
@@ -9209,11 +9233,7 @@
             </a:pPr>
             <a:r>
               <a:rPr lang="en-GB" dirty="0" smtClean="0"/>
-              <a:t>4 operator full-time and 1 operator </a:t>
-            </a:r>
-            <a:r>
-              <a:rPr lang="en-GB" dirty="0" smtClean="0"/>
-              <a:t>part-time</a:t>
+              <a:t>4 operator full-time and 1 operator part-time</a:t>
             </a:r>
           </a:p>
           <a:p>
@@ -9225,7 +9245,6 @@
               <a:rPr lang="en-GB" dirty="0" smtClean="0"/>
               <a:t>Machine supervision</a:t>
             </a:r>
-            <a:endParaRPr lang="en-GB" dirty="0" smtClean="0"/>
           </a:p>
           <a:p>
             <a:pPr marL="742950" lvl="1" indent="-285750" algn="just">
@@ -9254,11 +9273,7 @@
             </a:pPr>
             <a:r>
               <a:rPr lang="en-GB" dirty="0" smtClean="0"/>
-              <a:t>Simple </a:t>
-            </a:r>
-            <a:r>
-              <a:rPr lang="en-GB" dirty="0" smtClean="0"/>
-              <a:t>CAM/metrology</a:t>
+              <a:t>Simple CAM/metrology</a:t>
             </a:r>
           </a:p>
           <a:p>
@@ -9268,11 +9283,7 @@
             </a:pPr>
             <a:r>
               <a:rPr lang="en-GB" dirty="0" smtClean="0"/>
-              <a:t>1 </a:t>
-            </a:r>
-            <a:r>
-              <a:rPr lang="en-GB" dirty="0" smtClean="0"/>
-              <a:t>technician</a:t>
+              <a:t>1 technician</a:t>
             </a:r>
           </a:p>
           <a:p>
@@ -9298,7 +9309,6 @@
               <a:rPr lang="en-GB" dirty="0" smtClean="0"/>
               <a:t>1 welder</a:t>
             </a:r>
-            <a:endParaRPr lang="en-GB" dirty="0" smtClean="0"/>
           </a:p>
           <a:p>
             <a:pPr marL="285750" indent="-285750" algn="just">
@@ -9351,11 +9361,7 @@
             </a:pPr>
             <a:r>
               <a:rPr lang="en-GB" dirty="0" smtClean="0"/>
-              <a:t>1 </a:t>
-            </a:r>
-            <a:r>
-              <a:rPr lang="en-GB" dirty="0" smtClean="0"/>
-              <a:t>administrative</a:t>
+              <a:t>1 administrative</a:t>
             </a:r>
           </a:p>
           <a:p>
@@ -9365,13 +9371,8 @@
             </a:pPr>
             <a:r>
               <a:rPr lang="en-GB" dirty="0" smtClean="0"/>
-              <a:t>Sales, supplies, </a:t>
-            </a:r>
-            <a:r>
-              <a:rPr lang="en-GB" dirty="0" smtClean="0"/>
-              <a:t>invoices,…</a:t>
-            </a:r>
-            <a:endParaRPr lang="en-GB" dirty="0" smtClean="0"/>
+              <a:t>Sales, supplies, invoices,…</a:t>
+            </a:r>
           </a:p>
           <a:p>
             <a:pPr marL="742950" lvl="1" indent="-285750" algn="just">
@@ -9456,7 +9457,7 @@
           <p:nvPr>
             <p:extLst>
               <p:ext uri="{D42A27DB-BD31-4B8C-83A1-F6EECF244321}">
-                <p14:modId xmlns:p14="http://schemas.microsoft.com/office/powerpoint/2010/main" val="312737107"/>
+                <p14:modId xmlns:p14="http://schemas.microsoft.com/office/powerpoint/2010/main" val="682860798"/>
               </p:ext>
             </p:extLst>
           </p:nvPr>
